--- a/Presentation_V3.pptx
+++ b/Presentation_V3.pptx
@@ -5,7 +5,7 @@
     <p:sldMasterId id="2147483648" r:id="rId1"/>
   </p:sldMasterIdLst>
   <p:notesMasterIdLst>
-    <p:notesMasterId r:id="rId8"/>
+    <p:notesMasterId r:id="rId10"/>
   </p:notesMasterIdLst>
   <p:sldIdLst>
     <p:sldId id="256" r:id="rId2"/>
@@ -14,6 +14,8 @@
     <p:sldId id="261" r:id="rId5"/>
     <p:sldId id="259" r:id="rId6"/>
     <p:sldId id="260" r:id="rId7"/>
+    <p:sldId id="263" r:id="rId8"/>
+    <p:sldId id="262" r:id="rId9"/>
   </p:sldIdLst>
   <p:sldSz cx="12192000" cy="6858000"/>
   <p:notesSz cx="6858000" cy="9144000"/>
@@ -4627,10 +4629,208 @@
           <a:chExt cx="0" cy="0"/>
         </a:xfrm>
       </p:grpSpPr>
+      <p:sp>
+        <p:nvSpPr>
+          <p:cNvPr id="2" name="Rectangle 1">
+            <a:extLst>
+              <a:ext uri="{FF2B5EF4-FFF2-40B4-BE49-F238E27FC236}">
+                <a16:creationId xmlns:a16="http://schemas.microsoft.com/office/drawing/2014/main" id="{BDD9E4FD-D671-EC4A-BBE3-C43483DB1D68}"/>
+              </a:ext>
+            </a:extLst>
+          </p:cNvPr>
+          <p:cNvSpPr/>
+          <p:nvPr/>
+        </p:nvSpPr>
+        <p:spPr>
+          <a:xfrm>
+            <a:off x="7302113" y="611458"/>
+            <a:ext cx="3856425" cy="1077218"/>
+          </a:xfrm>
+          <a:prstGeom prst="rect">
+            <a:avLst/>
+          </a:prstGeom>
+        </p:spPr>
+        <p:txBody>
+          <a:bodyPr wrap="square">
+            <a:spAutoFit/>
+          </a:bodyPr>
+          <a:lstStyle/>
+          <a:p>
+            <a:r>
+              <a:rPr lang="en-US" sz="3200" b="1" u="none" strike="noStrike" dirty="0">
+                <a:solidFill>
+                  <a:srgbClr val="0070C0"/>
+                </a:solidFill>
+                <a:effectLst/>
+                <a:latin typeface="Avenir Next" panose="020B0503020202020204" pitchFamily="34" charset="0"/>
+              </a:rPr>
+              <a:t>Data &amp; Assumptions</a:t>
+            </a:r>
+            <a:endParaRPr lang="en-US" sz="1400" dirty="0">
+              <a:solidFill>
+                <a:srgbClr val="0070C0"/>
+              </a:solidFill>
+              <a:latin typeface="Avenir Next" panose="020B0503020202020204" pitchFamily="34" charset="0"/>
+            </a:endParaRPr>
+          </a:p>
+        </p:txBody>
+      </p:sp>
     </p:spTree>
     <p:extLst>
       <p:ext uri="{BB962C8B-B14F-4D97-AF65-F5344CB8AC3E}">
         <p14:creationId xmlns:p14="http://schemas.microsoft.com/office/powerpoint/2010/main" val="2654926811"/>
+      </p:ext>
+    </p:extLst>
+  </p:cSld>
+  <p:clrMapOvr>
+    <a:masterClrMapping/>
+  </p:clrMapOvr>
+</p:sld>
+</file>
+
+<file path=ppt/slides/slide7.xml><?xml version="1.0" encoding="utf-8"?>
+<p:sld xmlns:a="http://schemas.openxmlformats.org/drawingml/2006/main" xmlns:r="http://schemas.openxmlformats.org/officeDocument/2006/relationships" xmlns:p="http://schemas.openxmlformats.org/presentationml/2006/main">
+  <p:cSld>
+    <p:spTree>
+      <p:nvGrpSpPr>
+        <p:cNvPr id="1" name=""/>
+        <p:cNvGrpSpPr/>
+        <p:nvPr/>
+      </p:nvGrpSpPr>
+      <p:grpSpPr>
+        <a:xfrm>
+          <a:off x="0" y="0"/>
+          <a:ext cx="0" cy="0"/>
+          <a:chOff x="0" y="0"/>
+          <a:chExt cx="0" cy="0"/>
+        </a:xfrm>
+      </p:grpSpPr>
+      <p:sp>
+        <p:nvSpPr>
+          <p:cNvPr id="2" name="Rectangle 1">
+            <a:extLst>
+              <a:ext uri="{FF2B5EF4-FFF2-40B4-BE49-F238E27FC236}">
+                <a16:creationId xmlns:a16="http://schemas.microsoft.com/office/drawing/2014/main" id="{BDD9E4FD-D671-EC4A-BBE3-C43483DB1D68}"/>
+              </a:ext>
+            </a:extLst>
+          </p:cNvPr>
+          <p:cNvSpPr/>
+          <p:nvPr/>
+        </p:nvSpPr>
+        <p:spPr>
+          <a:xfrm>
+            <a:off x="7302113" y="611458"/>
+            <a:ext cx="3856425" cy="584775"/>
+          </a:xfrm>
+          <a:prstGeom prst="rect">
+            <a:avLst/>
+          </a:prstGeom>
+        </p:spPr>
+        <p:txBody>
+          <a:bodyPr wrap="square">
+            <a:spAutoFit/>
+          </a:bodyPr>
+          <a:lstStyle/>
+          <a:p>
+            <a:r>
+              <a:rPr lang="en-US" sz="3200" b="1" u="none" strike="noStrike" dirty="0">
+                <a:solidFill>
+                  <a:srgbClr val="0070C0"/>
+                </a:solidFill>
+                <a:effectLst/>
+                <a:latin typeface="Avenir Next" panose="020B0503020202020204" pitchFamily="34" charset="0"/>
+              </a:rPr>
+              <a:t>Model Summary</a:t>
+            </a:r>
+            <a:endParaRPr lang="en-US" sz="1400" dirty="0">
+              <a:solidFill>
+                <a:srgbClr val="0070C0"/>
+              </a:solidFill>
+              <a:latin typeface="Avenir Next" panose="020B0503020202020204" pitchFamily="34" charset="0"/>
+            </a:endParaRPr>
+          </a:p>
+        </p:txBody>
+      </p:sp>
+    </p:spTree>
+    <p:extLst>
+      <p:ext uri="{BB962C8B-B14F-4D97-AF65-F5344CB8AC3E}">
+        <p14:creationId xmlns:p14="http://schemas.microsoft.com/office/powerpoint/2010/main" val="575479591"/>
+      </p:ext>
+    </p:extLst>
+  </p:cSld>
+  <p:clrMapOvr>
+    <a:masterClrMapping/>
+  </p:clrMapOvr>
+</p:sld>
+</file>
+
+<file path=ppt/slides/slide8.xml><?xml version="1.0" encoding="utf-8"?>
+<p:sld xmlns:a="http://schemas.openxmlformats.org/drawingml/2006/main" xmlns:r="http://schemas.openxmlformats.org/officeDocument/2006/relationships" xmlns:p="http://schemas.openxmlformats.org/presentationml/2006/main">
+  <p:cSld>
+    <p:spTree>
+      <p:nvGrpSpPr>
+        <p:cNvPr id="1" name=""/>
+        <p:cNvGrpSpPr/>
+        <p:nvPr/>
+      </p:nvGrpSpPr>
+      <p:grpSpPr>
+        <a:xfrm>
+          <a:off x="0" y="0"/>
+          <a:ext cx="0" cy="0"/>
+          <a:chOff x="0" y="0"/>
+          <a:chExt cx="0" cy="0"/>
+        </a:xfrm>
+      </p:grpSpPr>
+      <p:sp>
+        <p:nvSpPr>
+          <p:cNvPr id="4" name="Rectangle 3">
+            <a:extLst>
+              <a:ext uri="{FF2B5EF4-FFF2-40B4-BE49-F238E27FC236}">
+                <a16:creationId xmlns:a16="http://schemas.microsoft.com/office/drawing/2014/main" id="{6BCF5800-41A1-8542-A410-FFBE0091854D}"/>
+              </a:ext>
+            </a:extLst>
+          </p:cNvPr>
+          <p:cNvSpPr/>
+          <p:nvPr/>
+        </p:nvSpPr>
+        <p:spPr>
+          <a:xfrm>
+            <a:off x="7302113" y="611458"/>
+            <a:ext cx="3856425" cy="1077218"/>
+          </a:xfrm>
+          <a:prstGeom prst="rect">
+            <a:avLst/>
+          </a:prstGeom>
+        </p:spPr>
+        <p:txBody>
+          <a:bodyPr wrap="square">
+            <a:spAutoFit/>
+          </a:bodyPr>
+          <a:lstStyle/>
+          <a:p>
+            <a:r>
+              <a:rPr lang="en-US" sz="3200" b="1" u="none" strike="noStrike" dirty="0">
+                <a:solidFill>
+                  <a:srgbClr val="0070C0"/>
+                </a:solidFill>
+                <a:effectLst/>
+                <a:latin typeface="Avenir Next" panose="020B0503020202020204" pitchFamily="34" charset="0"/>
+              </a:rPr>
+              <a:t>Model Results &amp; Next Steps</a:t>
+            </a:r>
+            <a:endParaRPr lang="en-US" sz="1400" dirty="0">
+              <a:solidFill>
+                <a:srgbClr val="0070C0"/>
+              </a:solidFill>
+              <a:latin typeface="Avenir Next" panose="020B0503020202020204" pitchFamily="34" charset="0"/>
+            </a:endParaRPr>
+          </a:p>
+        </p:txBody>
+      </p:sp>
+    </p:spTree>
+    <p:extLst>
+      <p:ext uri="{BB962C8B-B14F-4D97-AF65-F5344CB8AC3E}">
+        <p14:creationId xmlns:p14="http://schemas.microsoft.com/office/powerpoint/2010/main" val="966615636"/>
       </p:ext>
     </p:extLst>
   </p:cSld>
